--- a/docs/PickaxePSB.pptx
+++ b/docs/PickaxePSB.pptx
@@ -3509,11 +3509,7 @@
           <a:p>
             <a:r>
               <a:rPr lang="en-US" dirty="0" smtClean="0"/>
-              <a:t>A </a:t>
-            </a:r>
-            <a:r>
-              <a:rPr lang="en-US" dirty="0" smtClean="0"/>
-              <a:t>free, open source, one-touch deployable, </a:t>
+              <a:t>A free, open source, one-touch deployable, </a:t>
             </a:r>
             <a:r>
               <a:rPr lang="en-US" dirty="0" err="1" smtClean="0"/>
@@ -3521,11 +3517,7 @@
             </a:r>
             <a:r>
               <a:rPr lang="en-US" dirty="0" smtClean="0"/>
-              <a:t> CMS </a:t>
-            </a:r>
-            <a:r>
-              <a:rPr lang="en-US" dirty="0" smtClean="0"/>
-              <a:t>platform built on top of:</a:t>
+              <a:t> CMS platform built on top of:</a:t>
             </a:r>
           </a:p>
           <a:p>
@@ -3535,15 +3527,7 @@
             </a:pPr>
             <a:r>
               <a:rPr lang="en-US" dirty="0" smtClean="0"/>
-              <a:t>Serverless Fram</a:t>
-            </a:r>
-            <a:r>
-              <a:rPr lang="en-US" dirty="0" smtClean="0"/>
-              <a:t>ework</a:t>
-            </a:r>
-            <a:r>
-              <a:rPr lang="en-US" dirty="0" smtClean="0"/>
-              <a:t>  </a:t>
+              <a:t>Serverless Framework  </a:t>
             </a:r>
           </a:p>
           <a:p>
@@ -3593,10 +3577,9 @@
               <a:buChar char="•"/>
             </a:pPr>
             <a:r>
-              <a:rPr lang="en-US" dirty="0" err="1" smtClean="0"/>
+              <a:rPr lang="en-US" dirty="0" smtClean="0"/>
               <a:t>Webpack</a:t>
             </a:r>
-            <a:endParaRPr lang="en-US" dirty="0" smtClean="0"/>
           </a:p>
           <a:p>
             <a:pPr marL="742950" lvl="1" indent="-285750">
@@ -3649,19 +3632,7 @@
             </a:pPr>
             <a:r>
               <a:rPr lang="en-US" dirty="0" smtClean="0"/>
-              <a:t>Efficient, cloud-based, low </a:t>
-            </a:r>
-            <a:r>
-              <a:rPr lang="en-US" dirty="0" smtClean="0"/>
-              <a:t>TCO (total </a:t>
-            </a:r>
-            <a:r>
-              <a:rPr lang="en-US" dirty="0" smtClean="0"/>
-              <a:t>cost of </a:t>
-            </a:r>
-            <a:r>
-              <a:rPr lang="en-US" dirty="0" smtClean="0"/>
-              <a:t>operations)</a:t>
+              <a:t>Efficient, cloud-based, low TCO (total cost of operations)</a:t>
             </a:r>
           </a:p>
           <a:p>
@@ -3671,17 +3642,8 @@
             </a:pPr>
             <a:r>
               <a:rPr lang="en-US" dirty="0" smtClean="0"/>
-              <a:t>Increased speed of development </a:t>
-            </a:r>
-            <a:r>
-              <a:rPr lang="en-US" dirty="0" smtClean="0"/>
-              <a:t>and </a:t>
-            </a:r>
-            <a:r>
-              <a:rPr lang="en-US" dirty="0" smtClean="0"/>
-              <a:t>deployment</a:t>
-            </a:r>
-            <a:endParaRPr lang="en-US" dirty="0" smtClean="0"/>
+              <a:t>Increased speed of development and deployment</a:t>
+            </a:r>
           </a:p>
           <a:p>
             <a:pPr marL="285750" indent="-285750">
@@ -3690,11 +3652,7 @@
             </a:pPr>
             <a:r>
               <a:rPr lang="en-US" dirty="0" smtClean="0"/>
-              <a:t>Reduced </a:t>
-            </a:r>
-            <a:r>
-              <a:rPr lang="en-US" dirty="0" smtClean="0"/>
-              <a:t>complexity of solution architecture</a:t>
+              <a:t>Reduced complexity of solution architecture</a:t>
             </a:r>
           </a:p>
           <a:p>
@@ -3712,15 +3670,7 @@
             </a:r>
             <a:r>
               <a:rPr lang="en-US" dirty="0" smtClean="0"/>
-              <a:t>deployments requires </a:t>
-            </a:r>
-            <a:r>
-              <a:rPr lang="en-US" dirty="0" smtClean="0"/>
-              <a:t>little system </a:t>
-            </a:r>
-            <a:r>
-              <a:rPr lang="en-US" dirty="0" smtClean="0"/>
-              <a:t>administration</a:t>
+              <a:t>deployments requires little system administration</a:t>
             </a:r>
           </a:p>
           <a:p>
@@ -3732,7 +3682,6 @@
               <a:rPr lang="en-US" dirty="0" smtClean="0"/>
               <a:t>Free open source solution</a:t>
             </a:r>
-            <a:endParaRPr lang="en-US" dirty="0" smtClean="0"/>
           </a:p>
           <a:p>
             <a:pPr marL="285750" indent="-285750">
@@ -3771,15 +3720,7 @@
             </a:pPr>
             <a:r>
               <a:rPr lang="en-US" dirty="0" smtClean="0"/>
-              <a:t>L</a:t>
-            </a:r>
-            <a:r>
-              <a:rPr lang="en-US" dirty="0" smtClean="0"/>
-              <a:t>ong-running application </a:t>
-            </a:r>
-            <a:r>
-              <a:rPr lang="en-US" dirty="0" smtClean="0"/>
-              <a:t>servers require constant maintenance</a:t>
+              <a:t>Long-running application servers require constant maintenance</a:t>
             </a:r>
           </a:p>
           <a:p>
@@ -3793,17 +3734,8 @@
             </a:r>
             <a:r>
               <a:rPr lang="en-US" dirty="0" smtClean="0"/>
-              <a:t>ighly </a:t>
-            </a:r>
-            <a:r>
-              <a:rPr lang="en-US" dirty="0" smtClean="0"/>
-              <a:t>available, elastic, server </a:t>
-            </a:r>
-            <a:r>
-              <a:rPr lang="en-US" dirty="0" smtClean="0"/>
-              <a:t>solutions are expensive</a:t>
-            </a:r>
-            <a:endParaRPr lang="en-US" dirty="0" smtClean="0"/>
+              <a:t>ighly available, elastic, server solutions are expensive</a:t>
+            </a:r>
           </a:p>
           <a:p>
             <a:pPr marL="285750" indent="-285750">
@@ -3816,23 +3748,7 @@
             </a:r>
             <a:r>
               <a:rPr lang="en-US" dirty="0" smtClean="0"/>
-              <a:t>mplementing </a:t>
-            </a:r>
-            <a:r>
-              <a:rPr lang="en-US" dirty="0" smtClean="0"/>
-              <a:t>a </a:t>
-            </a:r>
-            <a:r>
-              <a:rPr lang="en-US" dirty="0" smtClean="0"/>
-              <a:t>reliable content </a:t>
-            </a:r>
-            <a:r>
-              <a:rPr lang="en-US" dirty="0" smtClean="0"/>
-              <a:t>management solution on </a:t>
-            </a:r>
-            <a:r>
-              <a:rPr lang="en-US" dirty="0" smtClean="0"/>
-              <a:t>servers is complicated and difficult</a:t>
+              <a:t>mplementing a reliable content management solution on servers is complicated and difficult</a:t>
             </a:r>
             <a:endParaRPr lang="en-US" dirty="0"/>
           </a:p>
@@ -3870,13 +3786,54 @@
       </p:grpSpPr>
       <p:sp>
         <p:nvSpPr>
+          <p:cNvPr id="25" name="Rounded Rectangle 24"/>
+          <p:cNvSpPr/>
+          <p:nvPr/>
+        </p:nvSpPr>
+        <p:spPr>
+          <a:xfrm>
+            <a:off x="7868674" y="843148"/>
+            <a:ext cx="2890370" cy="5118264"/>
+          </a:xfrm>
+          <a:prstGeom prst="roundRect">
+            <a:avLst/>
+          </a:prstGeom>
+        </p:spPr>
+        <p:style>
+          <a:lnRef idx="0">
+            <a:schemeClr val="accent1"/>
+          </a:lnRef>
+          <a:fillRef idx="3">
+            <a:schemeClr val="accent1"/>
+          </a:fillRef>
+          <a:effectRef idx="3">
+            <a:schemeClr val="accent1"/>
+          </a:effectRef>
+          <a:fontRef idx="minor">
+            <a:schemeClr val="lt1"/>
+          </a:fontRef>
+        </p:style>
+        <p:txBody>
+          <a:bodyPr rtlCol="0" anchor="t"/>
+          <a:lstStyle/>
+          <a:p>
+            <a:r>
+              <a:rPr lang="en-US" smtClean="0"/>
+              <a:t>AWS</a:t>
+            </a:r>
+            <a:endParaRPr lang="en-US" dirty="0"/>
+          </a:p>
+        </p:txBody>
+      </p:sp>
+      <p:sp>
+        <p:nvSpPr>
           <p:cNvPr id="20" name="Rounded Rectangle 19"/>
           <p:cNvSpPr/>
           <p:nvPr/>
         </p:nvSpPr>
         <p:spPr>
           <a:xfrm>
-            <a:off x="1581256" y="4465893"/>
+            <a:off x="1583095" y="4938653"/>
             <a:ext cx="4273802" cy="1524680"/>
           </a:xfrm>
           <a:prstGeom prst="roundRect">
@@ -3884,15 +3841,13 @@
           </a:prstGeom>
         </p:spPr>
         <p:style>
-          <a:lnRef idx="2">
-            <a:schemeClr val="accent2">
-              <a:shade val="50000"/>
-            </a:schemeClr>
+          <a:lnRef idx="0">
+            <a:schemeClr val="accent2"/>
           </a:lnRef>
-          <a:fillRef idx="1">
+          <a:fillRef idx="3">
             <a:schemeClr val="accent2"/>
           </a:fillRef>
-          <a:effectRef idx="0">
+          <a:effectRef idx="3">
             <a:schemeClr val="accent2"/>
           </a:effectRef>
           <a:fontRef idx="minor">
@@ -3919,7 +3874,7 @@
         </p:nvSpPr>
         <p:spPr>
           <a:xfrm>
-            <a:off x="1583095" y="769797"/>
+            <a:off x="1524375" y="1423003"/>
             <a:ext cx="4271963" cy="1524680"/>
           </a:xfrm>
           <a:prstGeom prst="roundRect">
@@ -3927,15 +3882,13 @@
           </a:prstGeom>
         </p:spPr>
         <p:style>
-          <a:lnRef idx="2">
-            <a:schemeClr val="accent2">
-              <a:shade val="50000"/>
-            </a:schemeClr>
+          <a:lnRef idx="0">
+            <a:schemeClr val="accent2"/>
           </a:lnRef>
-          <a:fillRef idx="1">
+          <a:fillRef idx="3">
             <a:schemeClr val="accent2"/>
           </a:fillRef>
-          <a:effectRef idx="0">
+          <a:effectRef idx="3">
             <a:schemeClr val="accent2"/>
           </a:effectRef>
           <a:fontRef idx="minor">
@@ -3962,7 +3915,7 @@
         </p:nvSpPr>
         <p:spPr>
           <a:xfrm>
-            <a:off x="2240428" y="1200969"/>
+            <a:off x="2181708" y="1854175"/>
             <a:ext cx="1413164" cy="926275"/>
           </a:xfrm>
           <a:prstGeom prst="rect">
@@ -3971,13 +3924,13 @@
         </p:spPr>
         <p:style>
           <a:lnRef idx="1">
-            <a:schemeClr val="accent4"/>
+            <a:schemeClr val="accent2"/>
           </a:lnRef>
           <a:fillRef idx="2">
-            <a:schemeClr val="accent4"/>
+            <a:schemeClr val="accent2"/>
           </a:fillRef>
           <a:effectRef idx="1">
-            <a:schemeClr val="accent4"/>
+            <a:schemeClr val="accent2"/>
           </a:effectRef>
           <a:fontRef idx="minor">
             <a:schemeClr val="dk1"/>
@@ -4004,7 +3957,7 @@
         </p:nvSpPr>
         <p:spPr>
           <a:xfrm>
-            <a:off x="3784562" y="1200970"/>
+            <a:off x="3725842" y="1854176"/>
             <a:ext cx="1413164" cy="926275"/>
           </a:xfrm>
           <a:prstGeom prst="rect">
@@ -4013,13 +3966,13 @@
         </p:spPr>
         <p:style>
           <a:lnRef idx="1">
-            <a:schemeClr val="accent4"/>
+            <a:schemeClr val="accent2"/>
           </a:lnRef>
           <a:fillRef idx="2">
-            <a:schemeClr val="accent4"/>
+            <a:schemeClr val="accent2"/>
           </a:fillRef>
           <a:effectRef idx="1">
-            <a:schemeClr val="accent4"/>
+            <a:schemeClr val="accent2"/>
           </a:effectRef>
           <a:fontRef idx="minor">
             <a:schemeClr val="dk1"/>
@@ -4055,13 +4008,13 @@
         </p:spPr>
         <p:style>
           <a:lnRef idx="1">
-            <a:schemeClr val="accent4"/>
+            <a:schemeClr val="accent1"/>
           </a:lnRef>
           <a:fillRef idx="2">
-            <a:schemeClr val="accent4"/>
+            <a:schemeClr val="accent1"/>
           </a:fillRef>
           <a:effectRef idx="1">
-            <a:schemeClr val="accent4"/>
+            <a:schemeClr val="accent1"/>
           </a:effectRef>
           <a:fontRef idx="minor">
             <a:schemeClr val="dk1"/>
@@ -4097,13 +4050,13 @@
         </p:spPr>
         <p:style>
           <a:lnRef idx="1">
-            <a:schemeClr val="accent4"/>
+            <a:schemeClr val="accent1"/>
           </a:lnRef>
           <a:fillRef idx="2">
-            <a:schemeClr val="accent4"/>
+            <a:schemeClr val="accent1"/>
           </a:fillRef>
           <a:effectRef idx="1">
-            <a:schemeClr val="accent4"/>
+            <a:schemeClr val="accent1"/>
           </a:effectRef>
           <a:fontRef idx="minor">
             <a:schemeClr val="dk1"/>
@@ -4139,13 +4092,13 @@
         </p:spPr>
         <p:style>
           <a:lnRef idx="1">
-            <a:schemeClr val="accent4"/>
+            <a:schemeClr val="accent1"/>
           </a:lnRef>
           <a:fillRef idx="2">
-            <a:schemeClr val="accent4"/>
+            <a:schemeClr val="accent1"/>
           </a:fillRef>
           <a:effectRef idx="1">
-            <a:schemeClr val="accent4"/>
+            <a:schemeClr val="accent1"/>
           </a:effectRef>
           <a:fontRef idx="minor">
             <a:schemeClr val="dk1"/>
@@ -4181,13 +4134,13 @@
         </p:spPr>
         <p:style>
           <a:lnRef idx="1">
-            <a:schemeClr val="accent4"/>
+            <a:schemeClr val="accent1"/>
           </a:lnRef>
           <a:fillRef idx="2">
-            <a:schemeClr val="accent4"/>
+            <a:schemeClr val="accent1"/>
           </a:fillRef>
           <a:effectRef idx="1">
-            <a:schemeClr val="accent4"/>
+            <a:schemeClr val="accent1"/>
           </a:effectRef>
           <a:fontRef idx="minor">
             <a:schemeClr val="dk1"/>
@@ -4214,7 +4167,7 @@
         </p:nvSpPr>
         <p:spPr>
           <a:xfrm>
-            <a:off x="2838881" y="4904976"/>
+            <a:off x="2839801" y="5370868"/>
             <a:ext cx="1758550" cy="926275"/>
           </a:xfrm>
           <a:prstGeom prst="rect">
@@ -4223,13 +4176,13 @@
         </p:spPr>
         <p:style>
           <a:lnRef idx="1">
-            <a:schemeClr val="accent4"/>
+            <a:schemeClr val="accent2"/>
           </a:lnRef>
           <a:fillRef idx="2">
-            <a:schemeClr val="accent4"/>
+            <a:schemeClr val="accent2"/>
           </a:fillRef>
           <a:effectRef idx="1">
-            <a:schemeClr val="accent4"/>
+            <a:schemeClr val="accent2"/>
           </a:effectRef>
           <a:fontRef idx="minor">
             <a:schemeClr val="dk1"/>
@@ -4258,9 +4211,9 @@
           <p:nvPr/>
         </p:nvCxnSpPr>
         <p:spPr>
-          <a:xfrm>
-            <a:off x="5855058" y="1532137"/>
-            <a:ext cx="2781087" cy="327547"/>
+          <a:xfrm flipV="1">
+            <a:off x="5796338" y="1859684"/>
+            <a:ext cx="2839807" cy="325659"/>
           </a:xfrm>
           <a:prstGeom prst="straightConnector1">
             <a:avLst/>
@@ -4298,8 +4251,8 @@
         </p:nvCxnSpPr>
         <p:spPr>
           <a:xfrm flipV="1">
-            <a:off x="5855058" y="5080062"/>
-            <a:ext cx="2781087" cy="148171"/>
+            <a:off x="5856897" y="5080062"/>
+            <a:ext cx="2779248" cy="620931"/>
           </a:xfrm>
           <a:prstGeom prst="straightConnector1">
             <a:avLst/>
@@ -4337,8 +4290,8 @@
         </p:nvCxnSpPr>
         <p:spPr>
           <a:xfrm flipV="1">
-            <a:off x="5855058" y="4002756"/>
-            <a:ext cx="2781087" cy="1225477"/>
+            <a:off x="5856897" y="4002756"/>
+            <a:ext cx="2779248" cy="1698237"/>
           </a:xfrm>
           <a:prstGeom prst="straightConnector1">
             <a:avLst/>
@@ -4376,8 +4329,8 @@
         </p:nvCxnSpPr>
         <p:spPr>
           <a:xfrm flipV="1">
-            <a:off x="5855058" y="2941427"/>
-            <a:ext cx="2781087" cy="2286806"/>
+            <a:off x="5856897" y="2941427"/>
+            <a:ext cx="2779248" cy="2759566"/>
           </a:xfrm>
           <a:prstGeom prst="straightConnector1">
             <a:avLst/>
@@ -4412,16 +4365,96 @@
         </p:nvSpPr>
         <p:spPr>
           <a:xfrm>
-            <a:off x="1581257" y="2294478"/>
-            <a:ext cx="4273802" cy="848772"/>
+            <a:off x="1524375" y="2941427"/>
+            <a:ext cx="4258429" cy="1616807"/>
           </a:xfrm>
           <a:prstGeom prst="upArrowCallout">
             <a:avLst>
-              <a:gd name="adj1" fmla="val 25000"/>
+              <a:gd name="adj1" fmla="val 13201"/>
               <a:gd name="adj2" fmla="val 25000"/>
               <a:gd name="adj3" fmla="val 25000"/>
-              <a:gd name="adj4" fmla="val 43094"/>
+              <a:gd name="adj4" fmla="val 54846"/>
             </a:avLst>
+          </a:prstGeom>
+        </p:spPr>
+        <p:style>
+          <a:lnRef idx="0">
+            <a:schemeClr val="accent4"/>
+          </a:lnRef>
+          <a:fillRef idx="3">
+            <a:schemeClr val="accent4"/>
+          </a:fillRef>
+          <a:effectRef idx="3">
+            <a:schemeClr val="accent4"/>
+          </a:effectRef>
+          <a:fontRef idx="minor">
+            <a:schemeClr val="lt1"/>
+          </a:fontRef>
+        </p:style>
+        <p:txBody>
+          <a:bodyPr rtlCol="0" anchor="ctr"/>
+          <a:lstStyle/>
+          <a:p>
+            <a:pPr algn="ctr"/>
+            <a:endParaRPr lang="en-US" dirty="0"/>
+          </a:p>
+        </p:txBody>
+      </p:sp>
+      <p:sp>
+        <p:nvSpPr>
+          <p:cNvPr id="46" name="Rounded Rectangle 45"/>
+          <p:cNvSpPr/>
+          <p:nvPr/>
+        </p:nvSpPr>
+        <p:spPr>
+          <a:xfrm>
+            <a:off x="1524375" y="224801"/>
+            <a:ext cx="4273801" cy="905256"/>
+          </a:xfrm>
+          <a:prstGeom prst="roundRect">
+            <a:avLst/>
+          </a:prstGeom>
+        </p:spPr>
+        <p:style>
+          <a:lnRef idx="0">
+            <a:schemeClr val="dk1"/>
+          </a:lnRef>
+          <a:fillRef idx="3">
+            <a:schemeClr val="dk1"/>
+          </a:fillRef>
+          <a:effectRef idx="3">
+            <a:schemeClr val="dk1"/>
+          </a:effectRef>
+          <a:fontRef idx="minor">
+            <a:schemeClr val="lt1"/>
+          </a:fontRef>
+        </p:style>
+        <p:txBody>
+          <a:bodyPr rtlCol="0" anchor="ctr"/>
+          <a:lstStyle/>
+          <a:p>
+            <a:pPr algn="ctr"/>
+            <a:endParaRPr lang="en-US" dirty="0">
+              <a:solidFill>
+                <a:schemeClr val="bg1"/>
+              </a:solidFill>
+            </a:endParaRPr>
+          </a:p>
+        </p:txBody>
+      </p:sp>
+      <p:sp>
+        <p:nvSpPr>
+          <p:cNvPr id="19" name="Rectangle 18"/>
+          <p:cNvSpPr/>
+          <p:nvPr/>
+        </p:nvSpPr>
+        <p:spPr>
+          <a:xfrm>
+            <a:off x="2909443" y="3800103"/>
+            <a:ext cx="1534289" cy="665789"/>
+          </a:xfrm>
+          <a:prstGeom prst="rect">
+            <a:avLst/>
           </a:prstGeom>
         </p:spPr>
         <p:style>
@@ -4444,29 +4477,25 @@
           <a:p>
             <a:pPr algn="ctr"/>
             <a:r>
-              <a:rPr lang="en-US"/>
-              <a:t>W</a:t>
-            </a:r>
-            <a:r>
-              <a:rPr lang="en-US" smtClean="0"/>
-              <a:t>ebpack</a:t>
-            </a:r>
-            <a:endParaRPr lang="en-US" dirty="0"/>
-          </a:p>
-        </p:txBody>
-      </p:sp>
-      <p:sp>
-        <p:nvSpPr>
-          <p:cNvPr id="46" name="Rounded Rectangle 45"/>
+              <a:rPr lang="en-US" dirty="0" smtClean="0"/>
+              <a:t>Webpack</a:t>
+            </a:r>
+            <a:endParaRPr lang="en-US" dirty="0"/>
+          </a:p>
+        </p:txBody>
+      </p:sp>
+      <p:sp>
+        <p:nvSpPr>
+          <p:cNvPr id="18" name="Rectangle 17"/>
           <p:cNvSpPr/>
           <p:nvPr/>
         </p:nvSpPr>
         <p:spPr>
           <a:xfrm>
-            <a:off x="1581256" y="3437808"/>
-            <a:ext cx="4273801" cy="905256"/>
-          </a:xfrm>
-          <a:prstGeom prst="roundRect">
+            <a:off x="2181708" y="386483"/>
+            <a:ext cx="2957298" cy="581891"/>
+          </a:xfrm>
+          <a:prstGeom prst="rect">
             <a:avLst/>
           </a:prstGeom>
         </p:spPr>
@@ -4490,7 +4519,7 @@
           <a:p>
             <a:pPr algn="ctr"/>
             <a:r>
-              <a:rPr lang="en-US" dirty="0">
+              <a:rPr lang="en-US" dirty="0" smtClean="0">
                 <a:solidFill>
                   <a:schemeClr val="bg1"/>
                 </a:solidFill>
@@ -4503,16 +4532,29 @@
                   <a:schemeClr val="bg1"/>
                 </a:solidFill>
               </a:rPr>
-              <a:t>ampsight</a:t>
-            </a:r>
-            <a:r>
-              <a:rPr lang="en-US" dirty="0">
+              <a:t>a</a:t>
+            </a:r>
+            <a:r>
+              <a:rPr lang="en-US" dirty="0" err="1" smtClean="0">
+                <a:solidFill>
+                  <a:schemeClr val="bg1"/>
+                </a:solidFill>
+              </a:rPr>
+              <a:t>mpsight</a:t>
+            </a:r>
+            <a:r>
+              <a:rPr lang="en-US" dirty="0" smtClean="0">
                 <a:solidFill>
                   <a:schemeClr val="bg1"/>
                 </a:solidFill>
               </a:rPr>
               <a:t>/pickaxe</a:t>
             </a:r>
+            <a:endParaRPr lang="en-US" dirty="0">
+              <a:solidFill>
+                <a:schemeClr val="bg1"/>
+              </a:solidFill>
+            </a:endParaRPr>
           </a:p>
         </p:txBody>
       </p:sp>
